--- a/Correcciones_Semana6.pptx
+++ b/Correcciones_Semana6.pptx
@@ -5,13 +5,10 @@
     <p:sldMasterId id="2147483648" r:id="rId1"/>
   </p:sldMasterIdLst>
   <p:notesMasterIdLst>
-    <p:notesMasterId r:id="rId6"/>
+    <p:notesMasterId r:id="rId3"/>
   </p:notesMasterIdLst>
   <p:sldIdLst>
     <p:sldId id="256" r:id="rId2"/>
-    <p:sldId id="257" r:id="rId3"/>
-    <p:sldId id="258" r:id="rId4"/>
-    <p:sldId id="259" r:id="rId5"/>
   </p:sldIdLst>
   <p:sldSz cx="12192000" cy="6858000"/>
   <p:notesSz cx="6858000" cy="9144000"/>
@@ -200,7 +197,7 @@
           <a:p>
             <a:fld id="{D0E2CD21-88A8-C14D-BF8E-722EC363B6FB}" type="datetimeFigureOut">
               <a:rPr lang="es-ES" smtClean="0"/>
-              <a:t>1/3/22</a:t>
+              <a:t>4/3/22</a:t>
             </a:fld>
             <a:endParaRPr lang="es-ES"/>
           </a:p>
@@ -442,90 +439,6 @@
 </p:notesMaster>
 </file>
 
-<file path=ppt/notesSlides/notesSlide1.xml><?xml version="1.0" encoding="utf-8"?>
-<p:notes xmlns:a="http://schemas.openxmlformats.org/drawingml/2006/main" xmlns:r="http://schemas.openxmlformats.org/officeDocument/2006/relationships" xmlns:p="http://schemas.openxmlformats.org/presentationml/2006/main">
-  <p:cSld>
-    <p:spTree>
-      <p:nvGrpSpPr>
-        <p:cNvPr id="1" name=""/>
-        <p:cNvGrpSpPr/>
-        <p:nvPr/>
-      </p:nvGrpSpPr>
-      <p:grpSpPr>
-        <a:xfrm>
-          <a:off x="0" y="0"/>
-          <a:ext cx="0" cy="0"/>
-          <a:chOff x="0" y="0"/>
-          <a:chExt cx="0" cy="0"/>
-        </a:xfrm>
-      </p:grpSpPr>
-      <p:sp>
-        <p:nvSpPr>
-          <p:cNvPr id="2" name="Marcador de imagen de diapositiva 1"/>
-          <p:cNvSpPr>
-            <a:spLocks noGrp="1" noRot="1" noChangeAspect="1"/>
-          </p:cNvSpPr>
-          <p:nvPr>
-            <p:ph type="sldImg"/>
-          </p:nvPr>
-        </p:nvSpPr>
-        <p:spPr/>
-      </p:sp>
-      <p:sp>
-        <p:nvSpPr>
-          <p:cNvPr id="3" name="Marcador de notas 2"/>
-          <p:cNvSpPr>
-            <a:spLocks noGrp="1"/>
-          </p:cNvSpPr>
-          <p:nvPr>
-            <p:ph type="body" idx="1"/>
-          </p:nvPr>
-        </p:nvSpPr>
-        <p:spPr/>
-        <p:txBody>
-          <a:bodyPr/>
-          <a:lstStyle/>
-          <a:p>
-            <a:endParaRPr lang="es-ES" dirty="0"/>
-          </a:p>
-        </p:txBody>
-      </p:sp>
-      <p:sp>
-        <p:nvSpPr>
-          <p:cNvPr id="4" name="Marcador de número de diapositiva 3"/>
-          <p:cNvSpPr>
-            <a:spLocks noGrp="1"/>
-          </p:cNvSpPr>
-          <p:nvPr>
-            <p:ph type="sldNum" sz="quarter" idx="5"/>
-          </p:nvPr>
-        </p:nvSpPr>
-        <p:spPr/>
-        <p:txBody>
-          <a:bodyPr/>
-          <a:lstStyle/>
-          <a:p>
-            <a:fld id="{1F84C726-58AF-474D-90B1-A080BBB6D3EB}" type="slidenum">
-              <a:rPr lang="es-ES" smtClean="0"/>
-              <a:t>2</a:t>
-            </a:fld>
-            <a:endParaRPr lang="es-ES"/>
-          </a:p>
-        </p:txBody>
-      </p:sp>
-    </p:spTree>
-    <p:extLst>
-      <p:ext uri="{BB962C8B-B14F-4D97-AF65-F5344CB8AC3E}">
-        <p14:creationId xmlns:p14="http://schemas.microsoft.com/office/powerpoint/2010/main" val="323379655"/>
-      </p:ext>
-    </p:extLst>
-  </p:cSld>
-  <p:clrMapOvr>
-    <a:masterClrMapping/>
-  </p:clrMapOvr>
-</p:notes>
-</file>
-
 <file path=ppt/slideLayouts/slideLayout1.xml><?xml version="1.0" encoding="utf-8"?>
 <p:sldLayout xmlns:a="http://schemas.openxmlformats.org/drawingml/2006/main" xmlns:r="http://schemas.openxmlformats.org/officeDocument/2006/relationships" xmlns:p="http://schemas.openxmlformats.org/presentationml/2006/main" type="title" preserve="1">
   <p:cSld name="Diapositiva de título">
@@ -673,7 +586,7 @@
           <a:p>
             <a:fld id="{EA5B4D68-FD1F-CE4E-A27F-DA3B2038ECC0}" type="datetimeFigureOut">
               <a:rPr lang="es-ES" smtClean="0"/>
-              <a:t>1/3/22</a:t>
+              <a:t>4/3/22</a:t>
             </a:fld>
             <a:endParaRPr lang="es-ES"/>
           </a:p>
@@ -846,7 +759,7 @@
           <a:p>
             <a:fld id="{EA5B4D68-FD1F-CE4E-A27F-DA3B2038ECC0}" type="datetimeFigureOut">
               <a:rPr lang="es-ES" smtClean="0"/>
-              <a:t>1/3/22</a:t>
+              <a:t>4/3/22</a:t>
             </a:fld>
             <a:endParaRPr lang="es-ES"/>
           </a:p>
@@ -1029,7 +942,7 @@
           <a:p>
             <a:fld id="{EA5B4D68-FD1F-CE4E-A27F-DA3B2038ECC0}" type="datetimeFigureOut">
               <a:rPr lang="es-ES" smtClean="0"/>
-              <a:t>1/3/22</a:t>
+              <a:t>4/3/22</a:t>
             </a:fld>
             <a:endParaRPr lang="es-ES"/>
           </a:p>
@@ -1202,7 +1115,7 @@
           <a:p>
             <a:fld id="{EA5B4D68-FD1F-CE4E-A27F-DA3B2038ECC0}" type="datetimeFigureOut">
               <a:rPr lang="es-ES" smtClean="0"/>
-              <a:t>1/3/22</a:t>
+              <a:t>4/3/22</a:t>
             </a:fld>
             <a:endParaRPr lang="es-ES"/>
           </a:p>
@@ -1480,7 +1393,7 @@
           <a:p>
             <a:fld id="{EA5B4D68-FD1F-CE4E-A27F-DA3B2038ECC0}" type="datetimeFigureOut">
               <a:rPr lang="es-ES" smtClean="0"/>
-              <a:t>1/3/22</a:t>
+              <a:t>4/3/22</a:t>
             </a:fld>
             <a:endParaRPr lang="es-ES"/>
           </a:p>
@@ -1695,7 +1608,7 @@
           <a:p>
             <a:fld id="{EA5B4D68-FD1F-CE4E-A27F-DA3B2038ECC0}" type="datetimeFigureOut">
               <a:rPr lang="es-ES" smtClean="0"/>
-              <a:t>1/3/22</a:t>
+              <a:t>4/3/22</a:t>
             </a:fld>
             <a:endParaRPr lang="es-ES"/>
           </a:p>
@@ -2063,7 +1976,7 @@
           <a:p>
             <a:fld id="{EA5B4D68-FD1F-CE4E-A27F-DA3B2038ECC0}" type="datetimeFigureOut">
               <a:rPr lang="es-ES" smtClean="0"/>
-              <a:t>1/3/22</a:t>
+              <a:t>4/3/22</a:t>
             </a:fld>
             <a:endParaRPr lang="es-ES"/>
           </a:p>
@@ -2204,7 +2117,7 @@
           <a:p>
             <a:fld id="{EA5B4D68-FD1F-CE4E-A27F-DA3B2038ECC0}" type="datetimeFigureOut">
               <a:rPr lang="es-ES" smtClean="0"/>
-              <a:t>1/3/22</a:t>
+              <a:t>4/3/22</a:t>
             </a:fld>
             <a:endParaRPr lang="es-ES"/>
           </a:p>
@@ -2317,7 +2230,7 @@
           <a:p>
             <a:fld id="{EA5B4D68-FD1F-CE4E-A27F-DA3B2038ECC0}" type="datetimeFigureOut">
               <a:rPr lang="es-ES" smtClean="0"/>
-              <a:t>1/3/22</a:t>
+              <a:t>4/3/22</a:t>
             </a:fld>
             <a:endParaRPr lang="es-ES"/>
           </a:p>
@@ -2606,7 +2519,7 @@
           <a:p>
             <a:fld id="{EA5B4D68-FD1F-CE4E-A27F-DA3B2038ECC0}" type="datetimeFigureOut">
               <a:rPr lang="es-ES" smtClean="0"/>
-              <a:t>1/3/22</a:t>
+              <a:t>4/3/22</a:t>
             </a:fld>
             <a:endParaRPr lang="es-ES"/>
           </a:p>
@@ -2897,7 +2810,7 @@
           <a:p>
             <a:fld id="{EA5B4D68-FD1F-CE4E-A27F-DA3B2038ECC0}" type="datetimeFigureOut">
               <a:rPr lang="es-ES" smtClean="0"/>
-              <a:t>1/3/22</a:t>
+              <a:t>4/3/22</a:t>
             </a:fld>
             <a:endParaRPr lang="es-ES"/>
           </a:p>
@@ -3113,7 +3026,7 @@
           <a:p>
             <a:fld id="{EA5B4D68-FD1F-CE4E-A27F-DA3B2038ECC0}" type="datetimeFigureOut">
               <a:rPr lang="es-ES" smtClean="0"/>
-              <a:t>1/3/22</a:t>
+              <a:t>4/3/22</a:t>
             </a:fld>
             <a:endParaRPr lang="es-ES"/>
           </a:p>
@@ -3606,710 +3519,6 @@
     <p:extLst>
       <p:ext uri="{BB962C8B-B14F-4D97-AF65-F5344CB8AC3E}">
         <p14:creationId xmlns:p14="http://schemas.microsoft.com/office/powerpoint/2010/main" val="2502619678"/>
-      </p:ext>
-    </p:extLst>
-  </p:cSld>
-  <p:clrMapOvr>
-    <a:masterClrMapping/>
-  </p:clrMapOvr>
-</p:sld>
-</file>
-
-<file path=ppt/slides/slide2.xml><?xml version="1.0" encoding="utf-8"?>
-<p:sld xmlns:a="http://schemas.openxmlformats.org/drawingml/2006/main" xmlns:r="http://schemas.openxmlformats.org/officeDocument/2006/relationships" xmlns:p="http://schemas.openxmlformats.org/presentationml/2006/main">
-  <p:cSld>
-    <p:spTree>
-      <p:nvGrpSpPr>
-        <p:cNvPr id="1" name=""/>
-        <p:cNvGrpSpPr/>
-        <p:nvPr/>
-      </p:nvGrpSpPr>
-      <p:grpSpPr>
-        <a:xfrm>
-          <a:off x="0" y="0"/>
-          <a:ext cx="0" cy="0"/>
-          <a:chOff x="0" y="0"/>
-          <a:chExt cx="0" cy="0"/>
-        </a:xfrm>
-      </p:grpSpPr>
-      <p:sp>
-        <p:nvSpPr>
-          <p:cNvPr id="10" name="CuadroTexto 9">
-            <a:extLst>
-              <a:ext uri="{FF2B5EF4-FFF2-40B4-BE49-F238E27FC236}">
-                <a16:creationId xmlns:a16="http://schemas.microsoft.com/office/drawing/2014/main" id="{A761C21E-73ED-F644-A1BA-B7B01A1803FD}"/>
-              </a:ext>
-            </a:extLst>
-          </p:cNvPr>
-          <p:cNvSpPr txBox="1"/>
-          <p:nvPr/>
-        </p:nvSpPr>
-        <p:spPr>
-          <a:xfrm>
-            <a:off x="201110" y="0"/>
-            <a:ext cx="11239523" cy="9325630"/>
-          </a:xfrm>
-          <a:prstGeom prst="rect">
-            <a:avLst/>
-          </a:prstGeom>
-          <a:noFill/>
-        </p:spPr>
-        <p:txBody>
-          <a:bodyPr wrap="square" rtlCol="0">
-            <a:spAutoFit/>
-          </a:bodyPr>
-          <a:lstStyle/>
-          <a:p>
-            <a:r>
-              <a:rPr lang="es-ES" dirty="0"/>
-              <a:t>M8_EX1: Si queremos interaccionar podemos usar un </a:t>
-            </a:r>
-            <a:r>
-              <a:rPr lang="es-ES" dirty="0" err="1"/>
-              <a:t>debbuger</a:t>
-            </a:r>
-            <a:r>
-              <a:rPr lang="es-ES" dirty="0"/>
-              <a:t> para interactuar con el inspector a través del explorador. Si no se pone el </a:t>
-            </a:r>
-            <a:r>
-              <a:rPr lang="es-ES" dirty="0" err="1"/>
-              <a:t>debbuger</a:t>
-            </a:r>
-            <a:r>
-              <a:rPr lang="es-ES" dirty="0"/>
-              <a:t> los </a:t>
-            </a:r>
-            <a:r>
-              <a:rPr lang="es-ES" dirty="0" err="1"/>
-              <a:t>ojetos</a:t>
-            </a:r>
-            <a:r>
-              <a:rPr lang="es-ES" dirty="0"/>
-              <a:t> que muestra el inspector con [</a:t>
-            </a:r>
-            <a:r>
-              <a:rPr lang="es-ES" dirty="0" err="1"/>
-              <a:t>object</a:t>
-            </a:r>
-            <a:r>
-              <a:rPr lang="es-ES" dirty="0"/>
-              <a:t>, </a:t>
-            </a:r>
-            <a:r>
-              <a:rPr lang="es-ES" dirty="0" err="1"/>
-              <a:t>object</a:t>
-            </a:r>
-            <a:r>
-              <a:rPr lang="es-ES" dirty="0"/>
-              <a:t>].</a:t>
-            </a:r>
-          </a:p>
-          <a:p>
-            <a:endParaRPr lang="es-ES" dirty="0"/>
-          </a:p>
-          <a:p>
-            <a:r>
-              <a:rPr lang="es-ES" dirty="0"/>
-              <a:t>Ojo al Piojo: Cuando se usan en &lt;script </a:t>
-            </a:r>
-            <a:r>
-              <a:rPr lang="es-ES" dirty="0" err="1">
-                <a:solidFill>
-                  <a:srgbClr val="FF0000"/>
-                </a:solidFill>
-              </a:rPr>
-              <a:t>type</a:t>
-            </a:r>
-            <a:r>
-              <a:rPr lang="es-ES" dirty="0">
-                <a:solidFill>
-                  <a:srgbClr val="FF0000"/>
-                </a:solidFill>
-              </a:rPr>
-              <a:t>="</a:t>
-            </a:r>
-            <a:r>
-              <a:rPr lang="es-ES" dirty="0" err="1">
-                <a:solidFill>
-                  <a:srgbClr val="FF0000"/>
-                </a:solidFill>
-              </a:rPr>
-              <a:t>module"</a:t>
-            </a:r>
-            <a:r>
-              <a:rPr lang="es-ES" dirty="0" err="1"/>
-              <a:t>src</a:t>
-            </a:r>
-            <a:r>
-              <a:rPr lang="es-ES" dirty="0"/>
-              <a:t>="M8_EX1_main.js"&gt;&lt;/script&gt; el </a:t>
-            </a:r>
-            <a:r>
-              <a:rPr lang="es-ES" dirty="0" err="1"/>
-              <a:t>type</a:t>
-            </a:r>
-            <a:r>
-              <a:rPr lang="es-ES" dirty="0"/>
-              <a:t> module el </a:t>
-            </a:r>
-            <a:r>
-              <a:rPr lang="es-ES" dirty="0" err="1"/>
-              <a:t>onclick</a:t>
-            </a:r>
-            <a:r>
-              <a:rPr lang="es-ES" dirty="0"/>
-              <a:t> en el HTML no lo pilla!!!!!!!. Hay que usar </a:t>
-            </a:r>
-            <a:r>
-              <a:rPr lang="es-ES" dirty="0" err="1"/>
-              <a:t>addEventListener</a:t>
-            </a:r>
-            <a:r>
-              <a:rPr lang="es-ES"/>
-              <a:t>.</a:t>
-            </a:r>
-            <a:endParaRPr lang="es-ES" dirty="0"/>
-          </a:p>
-          <a:p>
-            <a:endParaRPr lang="es-ES" dirty="0"/>
-          </a:p>
-          <a:p>
-            <a:r>
-              <a:rPr lang="es-ES" dirty="0"/>
-              <a:t>-M8_EX2: Porque daba UNDEFINED……Cuando se trabaja con variables o </a:t>
-            </a:r>
-            <a:r>
-              <a:rPr lang="es-ES" dirty="0" err="1"/>
-              <a:t>key</a:t>
-            </a:r>
-            <a:r>
-              <a:rPr lang="es-ES" dirty="0"/>
-              <a:t> privadas en POO, tener en cuenta que luego `para acceder desde cualquier otra parte de un programa a esa </a:t>
-            </a:r>
-            <a:r>
-              <a:rPr lang="es-ES" dirty="0" err="1"/>
-              <a:t>key</a:t>
-            </a:r>
-            <a:r>
-              <a:rPr lang="es-ES" dirty="0"/>
-              <a:t>, se deberá usar un método </a:t>
-            </a:r>
-            <a:r>
-              <a:rPr lang="es-ES" dirty="0" err="1"/>
-              <a:t>getter</a:t>
-            </a:r>
-            <a:r>
-              <a:rPr lang="es-ES" dirty="0"/>
-              <a:t>, de lo </a:t>
-            </a:r>
-            <a:r>
-              <a:rPr lang="es-ES" dirty="0" err="1"/>
-              <a:t>cntrario</a:t>
-            </a:r>
-            <a:r>
-              <a:rPr lang="es-ES" dirty="0"/>
-              <a:t> </a:t>
-            </a:r>
-            <a:r>
-              <a:rPr lang="es-ES" dirty="0" err="1"/>
-              <a:t>dara</a:t>
-            </a:r>
-            <a:r>
-              <a:rPr lang="es-ES" dirty="0"/>
-              <a:t> UNDEFINED</a:t>
-            </a:r>
-          </a:p>
-          <a:p>
-            <a:endParaRPr lang="es-ES" dirty="0"/>
-          </a:p>
-          <a:p>
-            <a:endParaRPr lang="es-ES" dirty="0"/>
-          </a:p>
-          <a:p>
-            <a:r>
-              <a:rPr lang="es-ES" dirty="0"/>
-              <a:t>M8_Extra1:</a:t>
-            </a:r>
-          </a:p>
-          <a:p>
-            <a:r>
-              <a:rPr lang="es-ES" dirty="0" err="1"/>
-              <a:t>nextBullet</a:t>
-            </a:r>
-            <a:r>
-              <a:rPr lang="es-ES" dirty="0"/>
-              <a:t>(){</a:t>
-            </a:r>
-          </a:p>
-          <a:p>
-            <a:r>
-              <a:rPr lang="es-ES" dirty="0" err="1"/>
-              <a:t>this</a:t>
-            </a:r>
-            <a:r>
-              <a:rPr lang="es-ES" dirty="0"/>
-              <a:t>.#</a:t>
-            </a:r>
-            <a:r>
-              <a:rPr lang="es-ES" dirty="0" err="1"/>
-              <a:t>actualPosition</a:t>
-            </a:r>
-            <a:r>
-              <a:rPr lang="es-ES" dirty="0"/>
-              <a:t>++</a:t>
-            </a:r>
-          </a:p>
-          <a:p>
-            <a:r>
-              <a:rPr lang="es-ES" dirty="0" err="1"/>
-              <a:t>if</a:t>
-            </a:r>
-            <a:r>
-              <a:rPr lang="es-ES" dirty="0"/>
-              <a:t>(</a:t>
-            </a:r>
-            <a:r>
-              <a:rPr lang="es-ES" dirty="0" err="1"/>
-              <a:t>this</a:t>
-            </a:r>
-            <a:r>
-              <a:rPr lang="es-ES" dirty="0"/>
-              <a:t>.#</a:t>
-            </a:r>
-            <a:r>
-              <a:rPr lang="es-ES" dirty="0" err="1"/>
-              <a:t>actualPosition</a:t>
-            </a:r>
-            <a:r>
-              <a:rPr lang="es-ES" dirty="0"/>
-              <a:t>&gt;6) </a:t>
-            </a:r>
-            <a:r>
-              <a:rPr lang="es-ES" dirty="0" err="1"/>
-              <a:t>this</a:t>
-            </a:r>
-            <a:r>
-              <a:rPr lang="es-ES" dirty="0"/>
-              <a:t>.#</a:t>
-            </a:r>
-            <a:r>
-              <a:rPr lang="es-ES" dirty="0" err="1"/>
-              <a:t>actualPosition</a:t>
-            </a:r>
-            <a:r>
-              <a:rPr lang="es-ES" dirty="0"/>
-              <a:t>=1</a:t>
-            </a:r>
-          </a:p>
-          <a:p>
-            <a:r>
-              <a:rPr lang="es-ES" dirty="0"/>
-              <a:t>}</a:t>
-            </a:r>
-          </a:p>
-          <a:p>
-            <a:endParaRPr lang="es-ES" dirty="0"/>
-          </a:p>
-          <a:p>
-            <a:endParaRPr lang="es-ES" u="sng" dirty="0"/>
-          </a:p>
-          <a:p>
-            <a:endParaRPr lang="es-ES" dirty="0"/>
-          </a:p>
-          <a:p>
-            <a:endParaRPr lang="es-ES" dirty="0"/>
-          </a:p>
-          <a:p>
-            <a:endParaRPr lang="es-ES" dirty="0"/>
-          </a:p>
-          <a:p>
-            <a:endParaRPr lang="es-ES" dirty="0"/>
-          </a:p>
-          <a:p>
-            <a:endParaRPr lang="es-ES" dirty="0"/>
-          </a:p>
-          <a:p>
-            <a:endParaRPr lang="es-ES" dirty="0"/>
-          </a:p>
-          <a:p>
-            <a:endParaRPr lang="es-ES" dirty="0"/>
-          </a:p>
-          <a:p>
-            <a:endParaRPr lang="es-ES" i="1" u="sng" dirty="0"/>
-          </a:p>
-          <a:p>
-            <a:endParaRPr lang="es-ES" i="1" u="sng" dirty="0"/>
-          </a:p>
-          <a:p>
-            <a:endParaRPr lang="es-ES" dirty="0"/>
-          </a:p>
-          <a:p>
-            <a:endParaRPr lang="es-ES" sz="1600" dirty="0"/>
-          </a:p>
-          <a:p>
-            <a:endParaRPr lang="es-ES" sz="1600" dirty="0">
-              <a:solidFill>
-                <a:srgbClr val="FF0000"/>
-              </a:solidFill>
-            </a:endParaRPr>
-          </a:p>
-          <a:p>
-            <a:endParaRPr lang="es-ES" sz="1600" dirty="0">
-              <a:solidFill>
-                <a:srgbClr val="FF0000"/>
-              </a:solidFill>
-            </a:endParaRPr>
-          </a:p>
-          <a:p>
-            <a:endParaRPr lang="es-ES" sz="1600" dirty="0">
-              <a:solidFill>
-                <a:srgbClr val="FF0000"/>
-              </a:solidFill>
-            </a:endParaRPr>
-          </a:p>
-          <a:p>
-            <a:endParaRPr lang="es-ES" sz="1600" dirty="0"/>
-          </a:p>
-          <a:p>
-            <a:endParaRPr lang="es-ES" sz="1600" dirty="0"/>
-          </a:p>
-        </p:txBody>
-      </p:sp>
-    </p:spTree>
-    <p:extLst>
-      <p:ext uri="{BB962C8B-B14F-4D97-AF65-F5344CB8AC3E}">
-        <p14:creationId xmlns:p14="http://schemas.microsoft.com/office/powerpoint/2010/main" val="3000379528"/>
-      </p:ext>
-    </p:extLst>
-  </p:cSld>
-  <p:clrMapOvr>
-    <a:masterClrMapping/>
-  </p:clrMapOvr>
-</p:sld>
-</file>
-
-<file path=ppt/slides/slide3.xml><?xml version="1.0" encoding="utf-8"?>
-<p:sld xmlns:a="http://schemas.openxmlformats.org/drawingml/2006/main" xmlns:r="http://schemas.openxmlformats.org/officeDocument/2006/relationships" xmlns:p="http://schemas.openxmlformats.org/presentationml/2006/main">
-  <p:cSld>
-    <p:spTree>
-      <p:nvGrpSpPr>
-        <p:cNvPr id="1" name=""/>
-        <p:cNvGrpSpPr/>
-        <p:nvPr/>
-      </p:nvGrpSpPr>
-      <p:grpSpPr>
-        <a:xfrm>
-          <a:off x="0" y="0"/>
-          <a:ext cx="0" cy="0"/>
-          <a:chOff x="0" y="0"/>
-          <a:chExt cx="0" cy="0"/>
-        </a:xfrm>
-      </p:grpSpPr>
-      <p:sp>
-        <p:nvSpPr>
-          <p:cNvPr id="2" name="CuadroTexto 1">
-            <a:extLst>
-              <a:ext uri="{FF2B5EF4-FFF2-40B4-BE49-F238E27FC236}">
-                <a16:creationId xmlns:a16="http://schemas.microsoft.com/office/drawing/2014/main" id="{81D5A3CE-D49B-AC45-BA94-204858C56792}"/>
-              </a:ext>
-            </a:extLst>
-          </p:cNvPr>
-          <p:cNvSpPr txBox="1"/>
-          <p:nvPr/>
-        </p:nvSpPr>
-        <p:spPr>
-          <a:xfrm>
-            <a:off x="212651" y="265815"/>
-            <a:ext cx="10419907" cy="3795822"/>
-          </a:xfrm>
-          <a:prstGeom prst="rect">
-            <a:avLst/>
-          </a:prstGeom>
-          <a:noFill/>
-        </p:spPr>
-        <p:txBody>
-          <a:bodyPr wrap="square" rtlCol="0">
-            <a:spAutoFit/>
-          </a:bodyPr>
-          <a:lstStyle/>
-          <a:p>
-            <a:endParaRPr lang="es-ES" dirty="0"/>
-          </a:p>
-        </p:txBody>
-      </p:sp>
-      <p:sp>
-        <p:nvSpPr>
-          <p:cNvPr id="3" name="CuadroTexto 2">
-            <a:extLst>
-              <a:ext uri="{FF2B5EF4-FFF2-40B4-BE49-F238E27FC236}">
-                <a16:creationId xmlns:a16="http://schemas.microsoft.com/office/drawing/2014/main" id="{8FF49988-FC1E-1544-91D5-4A4C1D41951D}"/>
-              </a:ext>
-            </a:extLst>
-          </p:cNvPr>
-          <p:cNvSpPr txBox="1"/>
-          <p:nvPr/>
-        </p:nvSpPr>
-        <p:spPr>
-          <a:xfrm>
-            <a:off x="7293934" y="457200"/>
-            <a:ext cx="5231219" cy="1200329"/>
-          </a:xfrm>
-          <a:prstGeom prst="rect">
-            <a:avLst/>
-          </a:prstGeom>
-          <a:noFill/>
-        </p:spPr>
-        <p:txBody>
-          <a:bodyPr wrap="square" rtlCol="0">
-            <a:spAutoFit/>
-          </a:bodyPr>
-          <a:lstStyle/>
-          <a:p>
-            <a:r>
-              <a:rPr lang="es-ES" dirty="0"/>
-              <a:t>-La </a:t>
-            </a:r>
-            <a:r>
-              <a:rPr lang="es-ES" dirty="0" err="1"/>
-              <a:t>dieferencia</a:t>
-            </a:r>
-            <a:r>
-              <a:rPr lang="es-ES" dirty="0"/>
-              <a:t> fundamental entre </a:t>
-            </a:r>
-            <a:r>
-              <a:rPr lang="es-ES" dirty="0" err="1"/>
-              <a:t>textContent</a:t>
-            </a:r>
-            <a:r>
-              <a:rPr lang="es-ES" dirty="0"/>
-              <a:t> e </a:t>
-            </a:r>
-            <a:r>
-              <a:rPr lang="es-ES" dirty="0" err="1"/>
-              <a:t>innerHTML</a:t>
-            </a:r>
-            <a:endParaRPr lang="es-ES" dirty="0"/>
-          </a:p>
-          <a:p>
-            <a:r>
-              <a:rPr lang="es-ES" dirty="0"/>
-              <a:t>-En el lazo </a:t>
-            </a:r>
-            <a:r>
-              <a:rPr lang="es-ES" dirty="0" err="1"/>
-              <a:t>for</a:t>
-            </a:r>
-            <a:r>
-              <a:rPr lang="es-ES" dirty="0"/>
-              <a:t> no es necesario definir </a:t>
-            </a:r>
-            <a:r>
-              <a:rPr lang="es-ES" dirty="0" err="1"/>
-              <a:t>let</a:t>
-            </a:r>
-            <a:r>
-              <a:rPr lang="es-ES"/>
-              <a:t> i=</a:t>
-            </a:r>
-            <a:r>
-              <a:rPr lang="es-ES" dirty="0"/>
-              <a:t>0…</a:t>
-            </a:r>
-          </a:p>
-          <a:p>
-            <a:r>
-              <a:rPr lang="es-ES" dirty="0"/>
-              <a:t> </a:t>
-            </a:r>
-          </a:p>
-        </p:txBody>
-      </p:sp>
-      <p:pic>
-        <p:nvPicPr>
-          <p:cNvPr id="4" name="Imagen 3">
-            <a:extLst>
-              <a:ext uri="{FF2B5EF4-FFF2-40B4-BE49-F238E27FC236}">
-                <a16:creationId xmlns:a16="http://schemas.microsoft.com/office/drawing/2014/main" id="{5495E018-580D-334C-8432-8D6EFA1FC2FA}"/>
-              </a:ext>
-            </a:extLst>
-          </p:cNvPr>
-          <p:cNvPicPr>
-            <a:picLocks noChangeAspect="1"/>
-          </p:cNvPicPr>
-          <p:nvPr/>
-        </p:nvPicPr>
-        <p:blipFill>
-          <a:blip r:embed="rId2"/>
-          <a:stretch>
-            <a:fillRect/>
-          </a:stretch>
-        </p:blipFill>
-        <p:spPr>
-          <a:xfrm>
-            <a:off x="0" y="780365"/>
-            <a:ext cx="7391400" cy="5727700"/>
-          </a:xfrm>
-          <a:prstGeom prst="rect">
-            <a:avLst/>
-          </a:prstGeom>
-        </p:spPr>
-      </p:pic>
-    </p:spTree>
-    <p:extLst>
-      <p:ext uri="{BB962C8B-B14F-4D97-AF65-F5344CB8AC3E}">
-        <p14:creationId xmlns:p14="http://schemas.microsoft.com/office/powerpoint/2010/main" val="178431330"/>
-      </p:ext>
-    </p:extLst>
-  </p:cSld>
-  <p:clrMapOvr>
-    <a:masterClrMapping/>
-  </p:clrMapOvr>
-</p:sld>
-</file>
-
-<file path=ppt/slides/slide4.xml><?xml version="1.0" encoding="utf-8"?>
-<p:sld xmlns:a="http://schemas.openxmlformats.org/drawingml/2006/main" xmlns:r="http://schemas.openxmlformats.org/officeDocument/2006/relationships" xmlns:p="http://schemas.openxmlformats.org/presentationml/2006/main">
-  <p:cSld>
-    <p:spTree>
-      <p:nvGrpSpPr>
-        <p:cNvPr id="1" name=""/>
-        <p:cNvGrpSpPr/>
-        <p:nvPr/>
-      </p:nvGrpSpPr>
-      <p:grpSpPr>
-        <a:xfrm>
-          <a:off x="0" y="0"/>
-          <a:ext cx="0" cy="0"/>
-          <a:chOff x="0" y="0"/>
-          <a:chExt cx="0" cy="0"/>
-        </a:xfrm>
-      </p:grpSpPr>
-      <p:sp>
-        <p:nvSpPr>
-          <p:cNvPr id="3" name="Marcador de contenido 2">
-            <a:extLst>
-              <a:ext uri="{FF2B5EF4-FFF2-40B4-BE49-F238E27FC236}">
-                <a16:creationId xmlns:a16="http://schemas.microsoft.com/office/drawing/2014/main" id="{AEB16520-CCA2-3546-8BF7-23B4C9D698E3}"/>
-              </a:ext>
-            </a:extLst>
-          </p:cNvPr>
-          <p:cNvSpPr>
-            <a:spLocks noGrp="1"/>
-          </p:cNvSpPr>
-          <p:nvPr>
-            <p:ph idx="1"/>
-          </p:nvPr>
-        </p:nvSpPr>
-        <p:spPr>
-          <a:xfrm>
-            <a:off x="0" y="223284"/>
-            <a:ext cx="12192000" cy="5953679"/>
-          </a:xfrm>
-        </p:spPr>
-        <p:txBody>
-          <a:bodyPr/>
-          <a:lstStyle/>
-          <a:p>
-            <a:r>
-              <a:rPr lang="es-ES" dirty="0"/>
-              <a:t>Observar en estos ejercicios que si se trabaja en consola a veces no es necesario poner el </a:t>
-            </a:r>
-            <a:r>
-              <a:rPr lang="es-ES" dirty="0" err="1"/>
-              <a:t>return</a:t>
-            </a:r>
-            <a:r>
-              <a:rPr lang="es-ES" dirty="0"/>
-              <a:t> para ver el resultado</a:t>
-            </a:r>
-          </a:p>
-          <a:p>
-            <a:r>
-              <a:rPr lang="es-ES" dirty="0"/>
-              <a:t>Límites de ser aclarativo. Abajo antes de definir la variable </a:t>
-            </a:r>
-            <a:r>
-              <a:rPr lang="es-ES" dirty="0" err="1"/>
-              <a:t>user</a:t>
-            </a:r>
-            <a:r>
-              <a:rPr lang="es-ES" dirty="0"/>
-              <a:t> , yo sabia que se trataba de un elemento de un </a:t>
-            </a:r>
-            <a:r>
-              <a:rPr lang="es-ES" dirty="0" err="1"/>
-              <a:t>array</a:t>
-            </a:r>
-            <a:r>
-              <a:rPr lang="es-ES" dirty="0"/>
-              <a:t>. Al definir </a:t>
-            </a:r>
-            <a:r>
-              <a:rPr lang="es-ES" dirty="0" err="1"/>
-              <a:t>user</a:t>
-            </a:r>
-            <a:r>
-              <a:rPr lang="es-ES" dirty="0"/>
-              <a:t> no sé si se trata de </a:t>
-            </a:r>
-            <a:r>
-              <a:rPr lang="es-ES"/>
-              <a:t>una variable </a:t>
-            </a:r>
-            <a:r>
-              <a:rPr lang="es-ES" dirty="0"/>
-              <a:t>, </a:t>
-            </a:r>
-            <a:r>
-              <a:rPr lang="es-ES" dirty="0" err="1"/>
-              <a:t>array</a:t>
-            </a:r>
-            <a:r>
-              <a:rPr lang="es-ES" dirty="0"/>
-              <a:t> u objeto</a:t>
-            </a:r>
-          </a:p>
-          <a:p>
-            <a:endParaRPr lang="es-ES" dirty="0"/>
-          </a:p>
-        </p:txBody>
-      </p:sp>
-      <p:pic>
-        <p:nvPicPr>
-          <p:cNvPr id="2" name="Imagen 1">
-            <a:extLst>
-              <a:ext uri="{FF2B5EF4-FFF2-40B4-BE49-F238E27FC236}">
-                <a16:creationId xmlns:a16="http://schemas.microsoft.com/office/drawing/2014/main" id="{D7FE117C-D215-BF4B-B489-77CAA55101BB}"/>
-              </a:ext>
-            </a:extLst>
-          </p:cNvPr>
-          <p:cNvPicPr>
-            <a:picLocks noChangeAspect="1"/>
-          </p:cNvPicPr>
-          <p:nvPr/>
-        </p:nvPicPr>
-        <p:blipFill>
-          <a:blip r:embed="rId2"/>
-          <a:stretch>
-            <a:fillRect/>
-          </a:stretch>
-        </p:blipFill>
-        <p:spPr>
-          <a:xfrm>
-            <a:off x="132759" y="2341821"/>
-            <a:ext cx="5270500" cy="2514600"/>
-          </a:xfrm>
-          <a:prstGeom prst="rect">
-            <a:avLst/>
-          </a:prstGeom>
-        </p:spPr>
-      </p:pic>
-    </p:spTree>
-    <p:extLst>
-      <p:ext uri="{BB962C8B-B14F-4D97-AF65-F5344CB8AC3E}">
-        <p14:creationId xmlns:p14="http://schemas.microsoft.com/office/powerpoint/2010/main" val="3022812380"/>
       </p:ext>
     </p:extLst>
   </p:cSld>
